--- a/Chapter2/Figures/Fig11.pptx
+++ b/Chapter2/Figures/Fig11.pptx
@@ -7,7 +7,7 @@
   <p:sldIdLst>
     <p:sldId id="256" r:id="rId2"/>
   </p:sldIdLst>
-  <p:sldSz cx="9001125" cy="4500563"/>
+  <p:sldSz cx="10080625" cy="4500563"/>
   <p:notesSz cx="6858000" cy="9144000"/>
   <p:defaultTextStyle>
     <a:defPPr>
@@ -136,8 +136,8 @@
         </p:nvSpPr>
         <p:spPr>
           <a:xfrm>
-            <a:off x="675085" y="1398092"/>
-            <a:ext cx="7650956" cy="964704"/>
+            <a:off x="756048" y="1398092"/>
+            <a:ext cx="8568531" cy="964704"/>
           </a:xfrm>
         </p:spPr>
         <p:txBody>
@@ -164,8 +164,8 @@
         </p:nvSpPr>
         <p:spPr>
           <a:xfrm>
-            <a:off x="1350169" y="2550320"/>
-            <a:ext cx="6300788" cy="1150144"/>
+            <a:off x="1512095" y="2550320"/>
+            <a:ext cx="7056438" cy="1150144"/>
           </a:xfrm>
         </p:spPr>
         <p:txBody>
@@ -288,7 +288,7 @@
           <a:p>
             <a:fld id="{E9A33FFE-930B-4468-9FAB-0BB9E2488665}" type="datetimeFigureOut">
               <a:rPr lang="en-GB" smtClean="0"/>
-              <a:t>25/06/2014</a:t>
+              <a:t>31/08/2014</a:t>
             </a:fld>
             <a:endParaRPr lang="en-GB"/>
           </a:p>
@@ -458,7 +458,7 @@
           <a:p>
             <a:fld id="{E9A33FFE-930B-4468-9FAB-0BB9E2488665}" type="datetimeFigureOut">
               <a:rPr lang="en-GB" smtClean="0"/>
-              <a:t>25/06/2014</a:t>
+              <a:t>31/08/2014</a:t>
             </a:fld>
             <a:endParaRPr lang="en-GB"/>
           </a:p>
@@ -548,8 +548,8 @@
         </p:nvSpPr>
         <p:spPr>
           <a:xfrm>
-            <a:off x="6424244" y="94805"/>
-            <a:ext cx="1993999" cy="2015877"/>
+            <a:off x="7194702" y="94809"/>
+            <a:ext cx="2233138" cy="2015877"/>
           </a:xfrm>
         </p:spPr>
         <p:txBody>
@@ -576,8 +576,8 @@
         </p:nvSpPr>
         <p:spPr>
           <a:xfrm>
-            <a:off x="442246" y="94805"/>
-            <a:ext cx="5831979" cy="2015877"/>
+            <a:off x="495287" y="94809"/>
+            <a:ext cx="6531405" cy="2015877"/>
           </a:xfrm>
         </p:spPr>
         <p:txBody>
@@ -638,7 +638,7 @@
           <a:p>
             <a:fld id="{E9A33FFE-930B-4468-9FAB-0BB9E2488665}" type="datetimeFigureOut">
               <a:rPr lang="en-GB" smtClean="0"/>
-              <a:t>25/06/2014</a:t>
+              <a:t>31/08/2014</a:t>
             </a:fld>
             <a:endParaRPr lang="en-GB"/>
           </a:p>
@@ -808,7 +808,7 @@
           <a:p>
             <a:fld id="{E9A33FFE-930B-4468-9FAB-0BB9E2488665}" type="datetimeFigureOut">
               <a:rPr lang="en-GB" smtClean="0"/>
-              <a:t>25/06/2014</a:t>
+              <a:t>31/08/2014</a:t>
             </a:fld>
             <a:endParaRPr lang="en-GB"/>
           </a:p>
@@ -898,8 +898,8 @@
         </p:nvSpPr>
         <p:spPr>
           <a:xfrm>
-            <a:off x="711027" y="2892030"/>
-            <a:ext cx="7650956" cy="893861"/>
+            <a:off x="796302" y="2892034"/>
+            <a:ext cx="8568531" cy="893861"/>
           </a:xfrm>
         </p:spPr>
         <p:txBody>
@@ -930,8 +930,8 @@
         </p:nvSpPr>
         <p:spPr>
           <a:xfrm>
-            <a:off x="711027" y="1907532"/>
-            <a:ext cx="7650956" cy="984497"/>
+            <a:off x="796302" y="1907536"/>
+            <a:ext cx="8568531" cy="984497"/>
           </a:xfrm>
         </p:spPr>
         <p:txBody>
@@ -1054,7 +1054,7 @@
           <a:p>
             <a:fld id="{E9A33FFE-930B-4468-9FAB-0BB9E2488665}" type="datetimeFigureOut">
               <a:rPr lang="en-GB" smtClean="0"/>
-              <a:t>25/06/2014</a:t>
+              <a:t>31/08/2014</a:t>
             </a:fld>
             <a:endParaRPr lang="en-GB"/>
           </a:p>
@@ -1167,8 +1167,8 @@
         </p:nvSpPr>
         <p:spPr>
           <a:xfrm>
-            <a:off x="442246" y="551112"/>
-            <a:ext cx="3912989" cy="1559570"/>
+            <a:off x="495285" y="551112"/>
+            <a:ext cx="4382272" cy="1559570"/>
           </a:xfrm>
         </p:spPr>
         <p:txBody>
@@ -1252,8 +1252,8 @@
         </p:nvSpPr>
         <p:spPr>
           <a:xfrm>
-            <a:off x="4505254" y="551112"/>
-            <a:ext cx="3912989" cy="1559570"/>
+            <a:off x="5045567" y="551112"/>
+            <a:ext cx="4382272" cy="1559570"/>
           </a:xfrm>
         </p:spPr>
         <p:txBody>
@@ -1342,7 +1342,7 @@
           <a:p>
             <a:fld id="{E9A33FFE-930B-4468-9FAB-0BB9E2488665}" type="datetimeFigureOut">
               <a:rPr lang="en-GB" smtClean="0"/>
-              <a:t>25/06/2014</a:t>
+              <a:t>31/08/2014</a:t>
             </a:fld>
             <a:endParaRPr lang="en-GB"/>
           </a:p>
@@ -1432,8 +1432,8 @@
         </p:nvSpPr>
         <p:spPr>
           <a:xfrm>
-            <a:off x="450059" y="180232"/>
-            <a:ext cx="8101013" cy="750094"/>
+            <a:off x="504036" y="180232"/>
+            <a:ext cx="9072563" cy="750094"/>
           </a:xfrm>
         </p:spPr>
         <p:txBody>
@@ -1464,8 +1464,8 @@
         </p:nvSpPr>
         <p:spPr>
           <a:xfrm>
-            <a:off x="450056" y="1007419"/>
-            <a:ext cx="3977060" cy="419844"/>
+            <a:off x="504032" y="1007419"/>
+            <a:ext cx="4454027" cy="419844"/>
           </a:xfrm>
         </p:spPr>
         <p:txBody>
@@ -1529,8 +1529,8 @@
         </p:nvSpPr>
         <p:spPr>
           <a:xfrm>
-            <a:off x="450056" y="1427262"/>
-            <a:ext cx="3977060" cy="2593033"/>
+            <a:off x="504032" y="1427266"/>
+            <a:ext cx="4454027" cy="2593033"/>
           </a:xfrm>
         </p:spPr>
         <p:txBody>
@@ -1614,8 +1614,8 @@
         </p:nvSpPr>
         <p:spPr>
           <a:xfrm>
-            <a:off x="4572447" y="1007419"/>
-            <a:ext cx="3978622" cy="419844"/>
+            <a:off x="5120819" y="1007419"/>
+            <a:ext cx="4455776" cy="419844"/>
           </a:xfrm>
         </p:spPr>
         <p:txBody>
@@ -1679,8 +1679,8 @@
         </p:nvSpPr>
         <p:spPr>
           <a:xfrm>
-            <a:off x="4572447" y="1427262"/>
-            <a:ext cx="3978622" cy="2593033"/>
+            <a:off x="5120819" y="1427266"/>
+            <a:ext cx="4455776" cy="2593033"/>
           </a:xfrm>
         </p:spPr>
         <p:txBody>
@@ -1769,7 +1769,7 @@
           <a:p>
             <a:fld id="{E9A33FFE-930B-4468-9FAB-0BB9E2488665}" type="datetimeFigureOut">
               <a:rPr lang="en-GB" smtClean="0"/>
-              <a:t>25/06/2014</a:t>
+              <a:t>31/08/2014</a:t>
             </a:fld>
             <a:endParaRPr lang="en-GB"/>
           </a:p>
@@ -1887,7 +1887,7 @@
           <a:p>
             <a:fld id="{E9A33FFE-930B-4468-9FAB-0BB9E2488665}" type="datetimeFigureOut">
               <a:rPr lang="en-GB" smtClean="0"/>
-              <a:t>25/06/2014</a:t>
+              <a:t>31/08/2014</a:t>
             </a:fld>
             <a:endParaRPr lang="en-GB"/>
           </a:p>
@@ -1982,7 +1982,7 @@
           <a:p>
             <a:fld id="{E9A33FFE-930B-4468-9FAB-0BB9E2488665}" type="datetimeFigureOut">
               <a:rPr lang="en-GB" smtClean="0"/>
-              <a:t>25/06/2014</a:t>
+              <a:t>31/08/2014</a:t>
             </a:fld>
             <a:endParaRPr lang="en-GB"/>
           </a:p>
@@ -2072,8 +2072,8 @@
         </p:nvSpPr>
         <p:spPr>
           <a:xfrm>
-            <a:off x="450057" y="179190"/>
-            <a:ext cx="2961308" cy="762595"/>
+            <a:off x="504032" y="179194"/>
+            <a:ext cx="3316457" cy="762595"/>
           </a:xfrm>
         </p:spPr>
         <p:txBody>
@@ -2104,8 +2104,8 @@
         </p:nvSpPr>
         <p:spPr>
           <a:xfrm>
-            <a:off x="3519192" y="179191"/>
-            <a:ext cx="5031879" cy="3841106"/>
+            <a:off x="3941249" y="179191"/>
+            <a:ext cx="5635350" cy="3841106"/>
           </a:xfrm>
         </p:spPr>
         <p:txBody>
@@ -2189,8 +2189,8 @@
         </p:nvSpPr>
         <p:spPr>
           <a:xfrm>
-            <a:off x="450057" y="941786"/>
-            <a:ext cx="2961308" cy="3078510"/>
+            <a:off x="504032" y="941786"/>
+            <a:ext cx="3316457" cy="3078510"/>
           </a:xfrm>
         </p:spPr>
         <p:txBody>
@@ -2259,7 +2259,7 @@
           <a:p>
             <a:fld id="{E9A33FFE-930B-4468-9FAB-0BB9E2488665}" type="datetimeFigureOut">
               <a:rPr lang="en-GB" smtClean="0"/>
-              <a:t>25/06/2014</a:t>
+              <a:t>31/08/2014</a:t>
             </a:fld>
             <a:endParaRPr lang="en-GB"/>
           </a:p>
@@ -2349,8 +2349,8 @@
         </p:nvSpPr>
         <p:spPr>
           <a:xfrm>
-            <a:off x="1764287" y="3150395"/>
-            <a:ext cx="5400675" cy="371921"/>
+            <a:off x="1975879" y="3150399"/>
+            <a:ext cx="6048375" cy="371921"/>
           </a:xfrm>
         </p:spPr>
         <p:txBody>
@@ -2381,8 +2381,8 @@
         </p:nvSpPr>
         <p:spPr>
           <a:xfrm>
-            <a:off x="1764287" y="402134"/>
-            <a:ext cx="5400675" cy="2700338"/>
+            <a:off x="1975879" y="402134"/>
+            <a:ext cx="6048375" cy="2700338"/>
           </a:xfrm>
         </p:spPr>
         <p:txBody>
@@ -2442,8 +2442,8 @@
         </p:nvSpPr>
         <p:spPr>
           <a:xfrm>
-            <a:off x="1764287" y="3522316"/>
-            <a:ext cx="5400675" cy="528191"/>
+            <a:off x="1975879" y="3522320"/>
+            <a:ext cx="6048375" cy="528191"/>
           </a:xfrm>
         </p:spPr>
         <p:txBody>
@@ -2512,7 +2512,7 @@
           <a:p>
             <a:fld id="{E9A33FFE-930B-4468-9FAB-0BB9E2488665}" type="datetimeFigureOut">
               <a:rPr lang="en-GB" smtClean="0"/>
-              <a:t>25/06/2014</a:t>
+              <a:t>31/08/2014</a:t>
             </a:fld>
             <a:endParaRPr lang="en-GB"/>
           </a:p>
@@ -2607,8 +2607,8 @@
         </p:nvSpPr>
         <p:spPr>
           <a:xfrm>
-            <a:off x="450059" y="180232"/>
-            <a:ext cx="8101013" cy="750094"/>
+            <a:off x="504036" y="180232"/>
+            <a:ext cx="9072563" cy="750094"/>
           </a:xfrm>
           <a:prstGeom prst="rect">
             <a:avLst/>
@@ -2640,8 +2640,8 @@
         </p:nvSpPr>
         <p:spPr>
           <a:xfrm>
-            <a:off x="450059" y="1050132"/>
-            <a:ext cx="8101013" cy="2970164"/>
+            <a:off x="504036" y="1050132"/>
+            <a:ext cx="9072563" cy="2970164"/>
           </a:xfrm>
           <a:prstGeom prst="rect">
             <a:avLst/>
@@ -2702,8 +2702,8 @@
         </p:nvSpPr>
         <p:spPr>
           <a:xfrm>
-            <a:off x="450059" y="4171357"/>
-            <a:ext cx="2100263" cy="239614"/>
+            <a:off x="504036" y="4171357"/>
+            <a:ext cx="2352147" cy="239614"/>
           </a:xfrm>
           <a:prstGeom prst="rect">
             <a:avLst/>
@@ -2725,7 +2725,7 @@
           <a:p>
             <a:fld id="{E9A33FFE-930B-4468-9FAB-0BB9E2488665}" type="datetimeFigureOut">
               <a:rPr lang="en-GB" smtClean="0"/>
-              <a:t>25/06/2014</a:t>
+              <a:t>31/08/2014</a:t>
             </a:fld>
             <a:endParaRPr lang="en-GB"/>
           </a:p>
@@ -2743,8 +2743,8 @@
         </p:nvSpPr>
         <p:spPr>
           <a:xfrm>
-            <a:off x="3075385" y="4171357"/>
-            <a:ext cx="2850356" cy="239614"/>
+            <a:off x="3444216" y="4171357"/>
+            <a:ext cx="3192197" cy="239614"/>
           </a:xfrm>
           <a:prstGeom prst="rect">
             <a:avLst/>
@@ -2780,8 +2780,8 @@
         </p:nvSpPr>
         <p:spPr>
           <a:xfrm>
-            <a:off x="6450809" y="4171357"/>
-            <a:ext cx="2100263" cy="239614"/>
+            <a:off x="7224452" y="4171357"/>
+            <a:ext cx="2352147" cy="239614"/>
           </a:xfrm>
           <a:prstGeom prst="rect">
             <a:avLst/>
@@ -3102,7 +3102,7 @@
       </p:grpSpPr>
       <p:pic>
         <p:nvPicPr>
-          <p:cNvPr id="20" name="Picture 2" descr="C:\Users\Wendy\Documents\wwn20\Lit review\Figures\cheng2003-1.jpg"/>
+          <p:cNvPr id="18" name="Picture 2" descr="C:\Users\Wendy\Documents\wwn20\Lit review\Figures\cheng2003-1.jpg"/>
           <p:cNvPicPr>
             <a:picLocks noChangeAspect="1" noChangeArrowheads="1"/>
           </p:cNvPicPr>
@@ -3123,8 +3123,8 @@
         </p:blipFill>
         <p:spPr bwMode="auto">
           <a:xfrm>
-            <a:off x="-127630" y="793599"/>
-            <a:ext cx="4418013" cy="2870200"/>
+            <a:off x="-197429" y="409367"/>
+            <a:ext cx="5319722" cy="3456000"/>
           </a:xfrm>
           <a:prstGeom prst="rect">
             <a:avLst/>
@@ -3143,7 +3143,7 @@
       </p:pic>
       <p:pic>
         <p:nvPicPr>
-          <p:cNvPr id="21" name="Picture 3" descr="C:\Users\Wendy\Documents\wwn20\Lit review\Figures\cheng2003-2.jpg"/>
+          <p:cNvPr id="19" name="Picture 3" descr="C:\Users\Wendy\Documents\wwn20\Lit review\Figures\cheng2003-2.jpg"/>
           <p:cNvPicPr>
             <a:picLocks noChangeAspect="1" noChangeArrowheads="1"/>
           </p:cNvPicPr>
@@ -3164,7 +3164,7 @@
         </p:blipFill>
         <p:spPr bwMode="auto">
           <a:xfrm>
-            <a:off x="4408874" y="20285"/>
+            <a:off x="5421400" y="20285"/>
             <a:ext cx="4521245" cy="4416828"/>
           </a:xfrm>
           <a:prstGeom prst="rect">
@@ -3184,13 +3184,13 @@
       </p:pic>
       <p:sp>
         <p:nvSpPr>
-          <p:cNvPr id="22" name="TextBox 21"/>
+          <p:cNvPr id="24" name="TextBox 23"/>
           <p:cNvSpPr txBox="1"/>
           <p:nvPr/>
         </p:nvSpPr>
         <p:spPr>
           <a:xfrm>
-            <a:off x="54606" y="724030"/>
+            <a:off x="0" y="-83000"/>
             <a:ext cx="628962" cy="477054"/>
           </a:xfrm>
           <a:prstGeom prst="rect">
@@ -3214,13 +3214,13 @@
       </p:sp>
       <p:sp>
         <p:nvSpPr>
-          <p:cNvPr id="23" name="TextBox 22"/>
+          <p:cNvPr id="25" name="TextBox 24"/>
           <p:cNvSpPr txBox="1"/>
           <p:nvPr/>
         </p:nvSpPr>
         <p:spPr>
           <a:xfrm>
-            <a:off x="3884093" y="-83000"/>
+            <a:off x="4896619" y="-83000"/>
             <a:ext cx="628962" cy="477054"/>
           </a:xfrm>
           <a:prstGeom prst="rect">
@@ -3252,6 +3252,13 @@
   <p:clrMapOvr>
     <a:masterClrMapping/>
   </p:clrMapOvr>
+  <p:timing>
+    <p:tnLst>
+      <p:par>
+        <p:cTn id="1" dur="indefinite" restart="never" nodeType="tmRoot"/>
+      </p:par>
+    </p:tnLst>
+  </p:timing>
 </p:sld>
 </file>
 

--- a/Chapter2/Figures/Fig11.pptx
+++ b/Chapter2/Figures/Fig11.pptx
@@ -288,7 +288,7 @@
           <a:p>
             <a:fld id="{E9A33FFE-930B-4468-9FAB-0BB9E2488665}" type="datetimeFigureOut">
               <a:rPr lang="en-GB" smtClean="0"/>
-              <a:t>31/08/2014</a:t>
+              <a:t>26/09/2014</a:t>
             </a:fld>
             <a:endParaRPr lang="en-GB"/>
           </a:p>
@@ -458,7 +458,7 @@
           <a:p>
             <a:fld id="{E9A33FFE-930B-4468-9FAB-0BB9E2488665}" type="datetimeFigureOut">
               <a:rPr lang="en-GB" smtClean="0"/>
-              <a:t>31/08/2014</a:t>
+              <a:t>26/09/2014</a:t>
             </a:fld>
             <a:endParaRPr lang="en-GB"/>
           </a:p>
@@ -638,7 +638,7 @@
           <a:p>
             <a:fld id="{E9A33FFE-930B-4468-9FAB-0BB9E2488665}" type="datetimeFigureOut">
               <a:rPr lang="en-GB" smtClean="0"/>
-              <a:t>31/08/2014</a:t>
+              <a:t>26/09/2014</a:t>
             </a:fld>
             <a:endParaRPr lang="en-GB"/>
           </a:p>
@@ -808,7 +808,7 @@
           <a:p>
             <a:fld id="{E9A33FFE-930B-4468-9FAB-0BB9E2488665}" type="datetimeFigureOut">
               <a:rPr lang="en-GB" smtClean="0"/>
-              <a:t>31/08/2014</a:t>
+              <a:t>26/09/2014</a:t>
             </a:fld>
             <a:endParaRPr lang="en-GB"/>
           </a:p>
@@ -1054,7 +1054,7 @@
           <a:p>
             <a:fld id="{E9A33FFE-930B-4468-9FAB-0BB9E2488665}" type="datetimeFigureOut">
               <a:rPr lang="en-GB" smtClean="0"/>
-              <a:t>31/08/2014</a:t>
+              <a:t>26/09/2014</a:t>
             </a:fld>
             <a:endParaRPr lang="en-GB"/>
           </a:p>
@@ -1342,7 +1342,7 @@
           <a:p>
             <a:fld id="{E9A33FFE-930B-4468-9FAB-0BB9E2488665}" type="datetimeFigureOut">
               <a:rPr lang="en-GB" smtClean="0"/>
-              <a:t>31/08/2014</a:t>
+              <a:t>26/09/2014</a:t>
             </a:fld>
             <a:endParaRPr lang="en-GB"/>
           </a:p>
@@ -1769,7 +1769,7 @@
           <a:p>
             <a:fld id="{E9A33FFE-930B-4468-9FAB-0BB9E2488665}" type="datetimeFigureOut">
               <a:rPr lang="en-GB" smtClean="0"/>
-              <a:t>31/08/2014</a:t>
+              <a:t>26/09/2014</a:t>
             </a:fld>
             <a:endParaRPr lang="en-GB"/>
           </a:p>
@@ -1887,7 +1887,7 @@
           <a:p>
             <a:fld id="{E9A33FFE-930B-4468-9FAB-0BB9E2488665}" type="datetimeFigureOut">
               <a:rPr lang="en-GB" smtClean="0"/>
-              <a:t>31/08/2014</a:t>
+              <a:t>26/09/2014</a:t>
             </a:fld>
             <a:endParaRPr lang="en-GB"/>
           </a:p>
@@ -1982,7 +1982,7 @@
           <a:p>
             <a:fld id="{E9A33FFE-930B-4468-9FAB-0BB9E2488665}" type="datetimeFigureOut">
               <a:rPr lang="en-GB" smtClean="0"/>
-              <a:t>31/08/2014</a:t>
+              <a:t>26/09/2014</a:t>
             </a:fld>
             <a:endParaRPr lang="en-GB"/>
           </a:p>
@@ -2259,7 +2259,7 @@
           <a:p>
             <a:fld id="{E9A33FFE-930B-4468-9FAB-0BB9E2488665}" type="datetimeFigureOut">
               <a:rPr lang="en-GB" smtClean="0"/>
-              <a:t>31/08/2014</a:t>
+              <a:t>26/09/2014</a:t>
             </a:fld>
             <a:endParaRPr lang="en-GB"/>
           </a:p>
@@ -2512,7 +2512,7 @@
           <a:p>
             <a:fld id="{E9A33FFE-930B-4468-9FAB-0BB9E2488665}" type="datetimeFigureOut">
               <a:rPr lang="en-GB" smtClean="0"/>
-              <a:t>31/08/2014</a:t>
+              <a:t>26/09/2014</a:t>
             </a:fld>
             <a:endParaRPr lang="en-GB"/>
           </a:p>
@@ -2725,7 +2725,7 @@
           <a:p>
             <a:fld id="{E9A33FFE-930B-4468-9FAB-0BB9E2488665}" type="datetimeFigureOut">
               <a:rPr lang="en-GB" smtClean="0"/>
-              <a:t>31/08/2014</a:t>
+              <a:t>26/09/2014</a:t>
             </a:fld>
             <a:endParaRPr lang="en-GB"/>
           </a:p>
@@ -3124,7 +3124,7 @@
         <p:spPr bwMode="auto">
           <a:xfrm>
             <a:off x="-197429" y="409367"/>
-            <a:ext cx="5319722" cy="3456000"/>
+            <a:ext cx="5485964" cy="3564000"/>
           </a:xfrm>
           <a:prstGeom prst="rect">
             <a:avLst/>
